--- a/presentation/mini-project-presentation.pptx
+++ b/presentation/mini-project-presentation.pptx
@@ -4350,7 +4350,23 @@
                   <a:srgbClr val="FFC000"/>
                 </a:solidFill>
               </a:rPr>
-              <a:t> Singh()                                                                                             </a:t>
+              <a:t> Singh</a:t>
+            </a:r>
+            <a:r>
+              <a:rPr lang="en-US" smtClean="0">
+                <a:solidFill>
+                  <a:srgbClr val="FFC000"/>
+                </a:solidFill>
+              </a:rPr>
+              <a:t>()                                                                            </a:t>
+            </a:r>
+            <a:r>
+              <a:rPr lang="en-US" smtClean="0">
+                <a:solidFill>
+                  <a:srgbClr val="FFC000"/>
+                </a:solidFill>
+              </a:rPr>
+              <a:t>  </a:t>
             </a:r>
             <a:r>
               <a:rPr lang="en-US" dirty="0" smtClean="0">
@@ -4361,32 +4377,40 @@
               <a:t>Submitted To: </a:t>
             </a:r>
             <a:r>
-              <a:rPr lang="en-US" sz="2300" dirty="0" err="1" smtClean="0">
-                <a:solidFill>
-                  <a:srgbClr val="0066FF"/>
+              <a:rPr lang="en-US" sz="2200" dirty="0" smtClean="0">
+                <a:solidFill>
+                  <a:srgbClr val="0070C0"/>
+                </a:solidFill>
+              </a:rPr>
+              <a:t>Ms. </a:t>
+            </a:r>
+            <a:r>
+              <a:rPr lang="en-US" sz="2200" dirty="0" err="1" smtClean="0">
+                <a:solidFill>
+                  <a:srgbClr val="0070C0"/>
                 </a:solidFill>
               </a:rPr>
               <a:t>Harvindar</a:t>
             </a:r>
             <a:r>
-              <a:rPr lang="en-US" sz="2300" dirty="0" smtClean="0">
-                <a:solidFill>
-                  <a:srgbClr val="0066FF"/>
+              <a:rPr lang="en-US" sz="2200" dirty="0" smtClean="0">
+                <a:solidFill>
+                  <a:srgbClr val="0070C0"/>
                 </a:solidFill>
               </a:rPr>
               <a:t> </a:t>
             </a:r>
             <a:r>
-              <a:rPr lang="en-US" sz="2300" dirty="0" err="1" smtClean="0">
-                <a:solidFill>
-                  <a:srgbClr val="0066FF"/>
+              <a:rPr lang="en-US" sz="2200" dirty="0" err="1" smtClean="0">
+                <a:solidFill>
+                  <a:srgbClr val="0070C0"/>
                 </a:solidFill>
               </a:rPr>
               <a:t>kaur</a:t>
             </a:r>
-            <a:endParaRPr lang="en-US" sz="2300" dirty="0" smtClean="0">
+            <a:endParaRPr lang="en-US" sz="2200" dirty="0" smtClean="0">
               <a:solidFill>
-                <a:srgbClr val="0066FF"/>
+                <a:srgbClr val="0070C0"/>
               </a:solidFill>
             </a:endParaRPr>
           </a:p>
@@ -6483,21 +6507,8 @@
                   <a:srgbClr val="FFC000"/>
                 </a:solidFill>
               </a:rPr>
-              <a:t>Time </a:t>
-            </a:r>
-            <a:r>
-              <a:rPr lang="en-IN" sz="2400" b="1" dirty="0" smtClean="0">
-                <a:solidFill>
-                  <a:srgbClr val="FFC000"/>
-                </a:solidFill>
-              </a:rPr>
-              <a:t>saving:  </a:t>
-            </a:r>
-            <a:endParaRPr lang="en-IN" sz="2400" b="1" dirty="0" smtClean="0">
-              <a:solidFill>
-                <a:srgbClr val="FFC000"/>
-              </a:solidFill>
-            </a:endParaRPr>
+              <a:t>Time saving:  </a:t>
+            </a:r>
           </a:p>
           <a:p>
             <a:pPr marL="550926" lvl="0" indent="-514350">
@@ -6505,25 +6516,8 @@
             </a:pPr>
             <a:r>
               <a:rPr lang="en-IN" sz="2400" dirty="0" smtClean="0"/>
-              <a:t> </a:t>
-            </a:r>
-            <a:r>
-              <a:rPr lang="en-IN" sz="2400" dirty="0" smtClean="0"/>
-              <a:t>      Costumers </a:t>
-            </a:r>
-            <a:r>
-              <a:rPr lang="en-IN" sz="2400" dirty="0" smtClean="0"/>
-              <a:t>do not need to roam across  cities for finding  their </a:t>
-            </a:r>
-            <a:r>
-              <a:rPr lang="en-IN" sz="2400" dirty="0" smtClean="0"/>
-              <a:t>desired </a:t>
-            </a:r>
-            <a:r>
-              <a:rPr lang="en-IN" sz="2400" dirty="0" smtClean="0"/>
-              <a:t>house. </a:t>
-            </a:r>
-            <a:endParaRPr lang="en-IN" sz="2400" dirty="0" smtClean="0"/>
+              <a:t>       Costumers do not need to roam across  cities for finding  their desired house. </a:t>
+            </a:r>
           </a:p>
           <a:p>
             <a:pPr marL="550926" lvl="0" indent="-514350">
@@ -6536,15 +6530,7 @@
                   <a:srgbClr val="FFC000"/>
                 </a:solidFill>
               </a:rPr>
-              <a:t>convenient</a:t>
-            </a:r>
-            <a:r>
-              <a:rPr lang="en-IN" sz="2400" b="1" dirty="0" smtClean="0">
-                <a:solidFill>
-                  <a:srgbClr val="FFC000"/>
-                </a:solidFill>
-              </a:rPr>
-              <a:t>:  </a:t>
+              <a:t>convenient:  </a:t>
             </a:r>
             <a:r>
               <a:rPr lang="en-IN" sz="2400" dirty="0" smtClean="0"/>
@@ -6555,31 +6541,7 @@
             </a:br>
             <a:r>
               <a:rPr lang="en-IN" sz="2400" dirty="0" smtClean="0"/>
-              <a:t>Costumers </a:t>
-            </a:r>
-            <a:r>
-              <a:rPr lang="en-IN" sz="2400" dirty="0" smtClean="0"/>
-              <a:t>just need a fast internet access to find the houses of </a:t>
-            </a:r>
-            <a:r>
-              <a:rPr lang="en-IN" sz="2400" dirty="0" smtClean="0"/>
-              <a:t>their </a:t>
-            </a:r>
-            <a:r>
-              <a:rPr lang="en-IN" sz="2400" dirty="0" smtClean="0"/>
-              <a:t>choices. And It is very easy to book their desired house from </a:t>
-            </a:r>
-            <a:r>
-              <a:rPr lang="en-IN" sz="2400" dirty="0" smtClean="0"/>
-              <a:t>their  </a:t>
-            </a:r>
-            <a:r>
-              <a:rPr lang="en-IN" sz="2400" dirty="0" smtClean="0"/>
-              <a:t>house at one </a:t>
-            </a:r>
-            <a:r>
-              <a:rPr lang="en-IN" sz="2400" dirty="0" smtClean="0"/>
-              <a:t>click.</a:t>
+              <a:t>Costumers just need a fast internet access to find the houses of their choices. And It is very easy to book their desired house from their  house at one click.</a:t>
             </a:r>
           </a:p>
           <a:p>
@@ -6593,15 +6555,7 @@
                   <a:srgbClr val="FFC000"/>
                 </a:solidFill>
               </a:rPr>
-              <a:t>Services</a:t>
-            </a:r>
-            <a:r>
-              <a:rPr lang="en-IN" sz="2400" b="1" dirty="0" smtClean="0">
-                <a:solidFill>
-                  <a:srgbClr val="FFC000"/>
-                </a:solidFill>
-              </a:rPr>
-              <a:t>: </a:t>
+              <a:t>Services: </a:t>
             </a:r>
             <a:r>
               <a:rPr lang="en-IN" sz="2400" dirty="0" smtClean="0"/>
@@ -6612,19 +6566,7 @@
             </a:br>
             <a:r>
               <a:rPr lang="en-IN" sz="2400" dirty="0" smtClean="0"/>
-              <a:t>We </a:t>
-            </a:r>
-            <a:r>
-              <a:rPr lang="en-IN" sz="2400" dirty="0" smtClean="0"/>
-              <a:t>provide houses with great services like CCTV surveillance,  Barrier </a:t>
-            </a:r>
-            <a:r>
-              <a:rPr lang="en-IN" sz="2400" dirty="0" smtClean="0"/>
-              <a:t>at </a:t>
-            </a:r>
-            <a:r>
-              <a:rPr lang="en-IN" sz="2400" dirty="0" smtClean="0"/>
-              <a:t>gate,  Parking facility and various other services at a single call.</a:t>
+              <a:t>We provide houses with great services like CCTV surveillance,  Barrier at gate,  Parking facility and various other services at a single call.</a:t>
             </a:r>
             <a:endParaRPr lang="en-US" sz="2400" dirty="0">
               <a:solidFill>

--- a/presentation/mini-project-presentation.pptx
+++ b/presentation/mini-project-presentation.pptx
@@ -212,7 +212,7 @@
             <a:fld id="{779BF999-0E83-4429-9A60-189F80708AFE}" type="datetimeFigureOut">
               <a:rPr lang="en-US" smtClean="0"/>
               <a:pPr/>
-              <a:t>12/1/2020</a:t>
+              <a:t>12/5/2020</a:t>
             </a:fld>
             <a:endParaRPr lang="en-US" dirty="0"/>
           </a:p>
@@ -945,7 +945,7 @@
             <a:fld id="{8B627BAB-31E2-4CDB-AC61-FA9C761E18B4}" type="datetimeFigureOut">
               <a:rPr lang="en-US" smtClean="0"/>
               <a:pPr/>
-              <a:t>12/1/2020</a:t>
+              <a:t>12/5/2020</a:t>
             </a:fld>
             <a:endParaRPr lang="en-US" dirty="0"/>
           </a:p>
@@ -1112,7 +1112,7 @@
             <a:fld id="{8B627BAB-31E2-4CDB-AC61-FA9C761E18B4}" type="datetimeFigureOut">
               <a:rPr lang="en-US" smtClean="0"/>
               <a:pPr/>
-              <a:t>12/1/2020</a:t>
+              <a:t>12/5/2020</a:t>
             </a:fld>
             <a:endParaRPr lang="en-US" dirty="0"/>
           </a:p>
@@ -1289,7 +1289,7 @@
             <a:fld id="{8B627BAB-31E2-4CDB-AC61-FA9C761E18B4}" type="datetimeFigureOut">
               <a:rPr lang="en-US" smtClean="0"/>
               <a:pPr/>
-              <a:t>12/1/2020</a:t>
+              <a:t>12/5/2020</a:t>
             </a:fld>
             <a:endParaRPr lang="en-US" dirty="0"/>
           </a:p>
@@ -1460,7 +1460,7 @@
             <a:fld id="{8B627BAB-31E2-4CDB-AC61-FA9C761E18B4}" type="datetimeFigureOut">
               <a:rPr lang="en-US" smtClean="0"/>
               <a:pPr/>
-              <a:t>12/1/2020</a:t>
+              <a:t>12/5/2020</a:t>
             </a:fld>
             <a:endParaRPr lang="en-US" dirty="0"/>
           </a:p>
@@ -1917,7 +1917,7 @@
             <a:fld id="{8B627BAB-31E2-4CDB-AC61-FA9C761E18B4}" type="datetimeFigureOut">
               <a:rPr lang="en-US" smtClean="0"/>
               <a:pPr/>
-              <a:t>12/1/2020</a:t>
+              <a:t>12/5/2020</a:t>
             </a:fld>
             <a:endParaRPr lang="en-US" dirty="0"/>
           </a:p>
@@ -2183,7 +2183,7 @@
             <a:fld id="{8B627BAB-31E2-4CDB-AC61-FA9C761E18B4}" type="datetimeFigureOut">
               <a:rPr lang="en-US" smtClean="0"/>
               <a:pPr/>
-              <a:t>12/1/2020</a:t>
+              <a:t>12/5/2020</a:t>
             </a:fld>
             <a:endParaRPr lang="en-US" dirty="0"/>
           </a:p>
@@ -2559,7 +2559,7 @@
             <a:fld id="{8B627BAB-31E2-4CDB-AC61-FA9C761E18B4}" type="datetimeFigureOut">
               <a:rPr lang="en-US" smtClean="0"/>
               <a:pPr/>
-              <a:t>12/1/2020</a:t>
+              <a:t>12/5/2020</a:t>
             </a:fld>
             <a:endParaRPr lang="en-US" dirty="0"/>
           </a:p>
@@ -2683,7 +2683,7 @@
             <a:fld id="{8B627BAB-31E2-4CDB-AC61-FA9C761E18B4}" type="datetimeFigureOut">
               <a:rPr lang="en-US" smtClean="0"/>
               <a:pPr/>
-              <a:t>12/1/2020</a:t>
+              <a:t>12/5/2020</a:t>
             </a:fld>
             <a:endParaRPr lang="en-US" dirty="0"/>
           </a:p>
@@ -2775,7 +2775,7 @@
             <a:fld id="{8B627BAB-31E2-4CDB-AC61-FA9C761E18B4}" type="datetimeFigureOut">
               <a:rPr lang="en-US" smtClean="0"/>
               <a:pPr/>
-              <a:t>12/1/2020</a:t>
+              <a:t>12/5/2020</a:t>
             </a:fld>
             <a:endParaRPr lang="en-US" dirty="0"/>
           </a:p>
@@ -3026,7 +3026,7 @@
             <a:fld id="{8B627BAB-31E2-4CDB-AC61-FA9C761E18B4}" type="datetimeFigureOut">
               <a:rPr lang="en-US" smtClean="0"/>
               <a:pPr/>
-              <a:t>12/1/2020</a:t>
+              <a:t>12/5/2020</a:t>
             </a:fld>
             <a:endParaRPr lang="en-US" dirty="0"/>
           </a:p>
@@ -3287,7 +3287,7 @@
             <a:fld id="{8B627BAB-31E2-4CDB-AC61-FA9C761E18B4}" type="datetimeFigureOut">
               <a:rPr lang="en-US" smtClean="0"/>
               <a:pPr/>
-              <a:t>12/1/2020</a:t>
+              <a:t>12/5/2020</a:t>
             </a:fld>
             <a:endParaRPr lang="en-US" dirty="0"/>
           </a:p>
@@ -3693,7 +3693,7 @@
             <a:fld id="{8B627BAB-31E2-4CDB-AC61-FA9C761E18B4}" type="datetimeFigureOut">
               <a:rPr lang="en-US" smtClean="0"/>
               <a:pPr/>
-              <a:t>12/1/2020</a:t>
+              <a:t>12/5/2020</a:t>
             </a:fld>
             <a:endParaRPr lang="en-US" dirty="0"/>
           </a:p>
@@ -4237,184 +4237,221 @@
           <a:p>
             <a:pPr algn="l"/>
             <a:r>
+              <a:rPr lang="en-US" dirty="0" err="1" smtClean="0">
+                <a:solidFill>
+                  <a:srgbClr val="FFC000"/>
+                </a:solidFill>
+              </a:rPr>
+              <a:t>Amit</a:t>
+            </a:r>
+            <a:r>
               <a:rPr lang="en-US" dirty="0" smtClean="0">
                 <a:solidFill>
                   <a:srgbClr val="FFC000"/>
                 </a:solidFill>
               </a:rPr>
-              <a:t>Mohan </a:t>
-            </a:r>
-            <a:r>
-              <a:rPr lang="en-US" dirty="0" err="1" smtClean="0">
+              <a:t> Kumar</a:t>
+            </a:r>
+            <a:r>
+              <a:rPr lang="en-US" dirty="0" smtClean="0">
                 <a:solidFill>
                   <a:srgbClr val="FFC000"/>
                 </a:solidFill>
               </a:rPr>
-              <a:t>Agrawal</a:t>
-            </a:r>
-            <a:r>
-              <a:rPr lang="en-US" dirty="0" smtClean="0">
-                <a:solidFill>
-                  <a:srgbClr val="FFC000"/>
-                </a:solidFill>
-              </a:rPr>
-              <a:t> (181500385)</a:t>
-            </a:r>
-          </a:p>
-          <a:p>
-            <a:pPr algn="l"/>
-            <a:r>
-              <a:rPr lang="en-US" dirty="0" err="1" smtClean="0">
-                <a:solidFill>
-                  <a:srgbClr val="FFC000"/>
-                </a:solidFill>
-              </a:rPr>
-              <a:t>Madan</a:t>
-            </a:r>
-            <a:r>
-              <a:rPr lang="en-US" dirty="0" smtClean="0">
-                <a:solidFill>
-                  <a:srgbClr val="FFC000"/>
-                </a:solidFill>
-              </a:rPr>
-              <a:t> Mohan (181500354)</a:t>
-            </a:r>
-          </a:p>
-          <a:p>
-            <a:pPr algn="l"/>
-            <a:r>
-              <a:rPr lang="en-US" dirty="0" err="1" smtClean="0">
-                <a:solidFill>
-                  <a:srgbClr val="FFC000"/>
-                </a:solidFill>
-              </a:rPr>
-              <a:t>Udit</a:t>
-            </a:r>
-            <a:r>
-              <a:rPr lang="en-US" dirty="0" smtClean="0">
-                <a:solidFill>
-                  <a:srgbClr val="FFC000"/>
-                </a:solidFill>
-              </a:rPr>
-              <a:t> </a:t>
-            </a:r>
-            <a:r>
-              <a:rPr lang="en-US" dirty="0" err="1" smtClean="0">
-                <a:solidFill>
-                  <a:srgbClr val="FFC000"/>
-                </a:solidFill>
-              </a:rPr>
-              <a:t>Aggarwal</a:t>
-            </a:r>
-            <a:r>
-              <a:rPr lang="en-US" dirty="0" smtClean="0">
-                <a:solidFill>
-                  <a:srgbClr val="FFC000"/>
-                </a:solidFill>
-              </a:rPr>
-              <a:t>(181500765)</a:t>
-            </a:r>
-          </a:p>
-          <a:p>
-            <a:pPr algn="l"/>
-            <a:r>
-              <a:rPr lang="en-US" dirty="0" err="1" smtClean="0">
-                <a:solidFill>
-                  <a:srgbClr val="FFC000"/>
-                </a:solidFill>
-              </a:rPr>
-              <a:t>Amit</a:t>
-            </a:r>
-            <a:r>
-              <a:rPr lang="en-US" dirty="0" smtClean="0">
-                <a:solidFill>
-                  <a:srgbClr val="FFC000"/>
-                </a:solidFill>
-              </a:rPr>
-              <a:t> Kumar()</a:t>
-            </a:r>
-          </a:p>
-          <a:p>
-            <a:pPr algn="l"/>
-            <a:r>
-              <a:rPr lang="en-US" dirty="0" err="1" smtClean="0">
-                <a:solidFill>
-                  <a:srgbClr val="FFC000"/>
-                </a:solidFill>
-              </a:rPr>
-              <a:t>Bhagat</a:t>
-            </a:r>
-            <a:r>
-              <a:rPr lang="en-US" dirty="0" smtClean="0">
-                <a:solidFill>
-                  <a:srgbClr val="FFC000"/>
-                </a:solidFill>
-              </a:rPr>
-              <a:t> Singh</a:t>
-            </a:r>
-            <a:r>
-              <a:rPr lang="en-US" smtClean="0">
-                <a:solidFill>
-                  <a:srgbClr val="FFC000"/>
-                </a:solidFill>
-              </a:rPr>
-              <a:t>()                                                                            </a:t>
-            </a:r>
-            <a:r>
-              <a:rPr lang="en-US" smtClean="0">
-                <a:solidFill>
-                  <a:srgbClr val="FFC000"/>
-                </a:solidFill>
-              </a:rPr>
-              <a:t>  </a:t>
-            </a:r>
-            <a:r>
-              <a:rPr lang="en-US" dirty="0" smtClean="0">
-                <a:solidFill>
-                  <a:srgbClr val="FF3300"/>
-                </a:solidFill>
-              </a:rPr>
-              <a:t>Submitted To: </a:t>
-            </a:r>
-            <a:r>
-              <a:rPr lang="en-US" sz="2200" dirty="0" smtClean="0">
-                <a:solidFill>
-                  <a:srgbClr val="0070C0"/>
-                </a:solidFill>
-              </a:rPr>
-              <a:t>Ms. </a:t>
-            </a:r>
-            <a:r>
-              <a:rPr lang="en-US" sz="2200" dirty="0" err="1" smtClean="0">
-                <a:solidFill>
-                  <a:srgbClr val="0070C0"/>
-                </a:solidFill>
-              </a:rPr>
-              <a:t>Harvindar</a:t>
-            </a:r>
-            <a:r>
-              <a:rPr lang="en-US" sz="2200" dirty="0" smtClean="0">
-                <a:solidFill>
-                  <a:srgbClr val="0070C0"/>
-                </a:solidFill>
-              </a:rPr>
-              <a:t> </a:t>
-            </a:r>
-            <a:r>
-              <a:rPr lang="en-US" sz="2200" dirty="0" err="1" smtClean="0">
-                <a:solidFill>
-                  <a:srgbClr val="0070C0"/>
-                </a:solidFill>
-              </a:rPr>
-              <a:t>kaur</a:t>
-            </a:r>
-            <a:endParaRPr lang="en-US" sz="2200" dirty="0" smtClean="0">
+              <a:t>(181500084)</a:t>
+            </a:r>
+            <a:endParaRPr lang="en-US" dirty="0" smtClean="0">
               <a:solidFill>
-                <a:srgbClr val="0070C0"/>
+                <a:srgbClr val="FFC000"/>
               </a:solidFill>
             </a:endParaRPr>
           </a:p>
           <a:p>
+            <a:pPr algn="l"/>
+            <a:r>
+              <a:rPr lang="en-US" dirty="0" err="1" smtClean="0">
+                <a:solidFill>
+                  <a:srgbClr val="FFC000"/>
+                </a:solidFill>
+              </a:rPr>
+              <a:t>Bhagat</a:t>
+            </a:r>
+            <a:r>
+              <a:rPr lang="en-US" dirty="0" smtClean="0">
+                <a:solidFill>
+                  <a:srgbClr val="FFC000"/>
+                </a:solidFill>
+              </a:rPr>
+              <a:t> Singh</a:t>
+            </a:r>
+            <a:r>
+              <a:rPr lang="en-US" dirty="0" smtClean="0">
+                <a:solidFill>
+                  <a:srgbClr val="FFC000"/>
+                </a:solidFill>
+              </a:rPr>
+              <a:t>(181500189)</a:t>
+            </a:r>
+            <a:endParaRPr lang="en-US" dirty="0" smtClean="0">
+              <a:solidFill>
+                <a:srgbClr val="FFC000"/>
+              </a:solidFill>
+            </a:endParaRPr>
+          </a:p>
+          <a:p>
+            <a:pPr algn="l"/>
+            <a:r>
+              <a:rPr lang="en-US" dirty="0" err="1" smtClean="0">
+                <a:solidFill>
+                  <a:srgbClr val="FFC000"/>
+                </a:solidFill>
+              </a:rPr>
+              <a:t>Madan</a:t>
+            </a:r>
+            <a:r>
+              <a:rPr lang="en-US" dirty="0" smtClean="0">
+                <a:solidFill>
+                  <a:srgbClr val="FFC000"/>
+                </a:solidFill>
+              </a:rPr>
+              <a:t> Mohan</a:t>
+            </a:r>
+            <a:r>
+              <a:rPr lang="en-US" dirty="0" smtClean="0">
+                <a:solidFill>
+                  <a:srgbClr val="FFC000"/>
+                </a:solidFill>
+              </a:rPr>
+              <a:t>(181500354)</a:t>
+            </a:r>
+            <a:endParaRPr lang="en-US" dirty="0" smtClean="0">
+              <a:solidFill>
+                <a:srgbClr val="FFC000"/>
+              </a:solidFill>
+            </a:endParaRPr>
+          </a:p>
+          <a:p>
+            <a:pPr algn="l"/>
+            <a:r>
+              <a:rPr lang="en-US" dirty="0" smtClean="0">
+                <a:solidFill>
+                  <a:srgbClr val="FFC000"/>
+                </a:solidFill>
+              </a:rPr>
+              <a:t>Mohan </a:t>
+            </a:r>
+            <a:r>
+              <a:rPr lang="en-US" dirty="0" err="1" smtClean="0">
+                <a:solidFill>
+                  <a:srgbClr val="FFC000"/>
+                </a:solidFill>
+              </a:rPr>
+              <a:t>Agrawal</a:t>
+            </a:r>
+            <a:r>
+              <a:rPr lang="en-US" dirty="0" smtClean="0">
+                <a:solidFill>
+                  <a:srgbClr val="FFC000"/>
+                </a:solidFill>
+              </a:rPr>
+              <a:t>(181500385)</a:t>
+            </a:r>
+            <a:r>
+              <a:rPr lang="en-US" dirty="0" smtClean="0">
+                <a:solidFill>
+                  <a:srgbClr val="FF3300"/>
+                </a:solidFill>
+              </a:rPr>
+              <a:t> </a:t>
+            </a:r>
+            <a:r>
+              <a:rPr lang="en-US" dirty="0" smtClean="0">
+                <a:solidFill>
+                  <a:srgbClr val="FF3300"/>
+                </a:solidFill>
+              </a:rPr>
+              <a:t>                                                   </a:t>
+            </a:r>
+            <a:endParaRPr lang="en-US" dirty="0" smtClean="0">
+              <a:solidFill>
+                <a:srgbClr val="FFC000"/>
+              </a:solidFill>
+            </a:endParaRPr>
+          </a:p>
+          <a:p>
+            <a:pPr algn="l"/>
+            <a:r>
+              <a:rPr lang="en-US" dirty="0" err="1" smtClean="0">
+                <a:solidFill>
+                  <a:srgbClr val="FFC000"/>
+                </a:solidFill>
+              </a:rPr>
+              <a:t>Udit</a:t>
+            </a:r>
+            <a:r>
+              <a:rPr lang="en-US" dirty="0" smtClean="0">
+                <a:solidFill>
+                  <a:srgbClr val="FFC000"/>
+                </a:solidFill>
+              </a:rPr>
+              <a:t>  </a:t>
+            </a:r>
+            <a:r>
+              <a:rPr lang="en-US" dirty="0" err="1" smtClean="0">
+                <a:solidFill>
+                  <a:srgbClr val="FFC000"/>
+                </a:solidFill>
+              </a:rPr>
+              <a:t>Aggarwal</a:t>
+            </a:r>
+            <a:r>
+              <a:rPr lang="en-US" dirty="0" smtClean="0">
+                <a:solidFill>
+                  <a:srgbClr val="FFC000"/>
+                </a:solidFill>
+              </a:rPr>
+              <a:t>(181500765)                                                                   </a:t>
+            </a:r>
+            <a:r>
+              <a:rPr lang="en-US" dirty="0" smtClean="0">
+                <a:solidFill>
+                  <a:srgbClr val="FF0000"/>
+                </a:solidFill>
+              </a:rPr>
+              <a:t>Submitted To: </a:t>
+            </a:r>
+            <a:r>
+              <a:rPr lang="en-US" dirty="0" smtClean="0">
+                <a:solidFill>
+                  <a:srgbClr val="0070C0"/>
+                </a:solidFill>
+              </a:rPr>
+              <a:t>Ms. </a:t>
+            </a:r>
+            <a:r>
+              <a:rPr lang="en-US" dirty="0" err="1" smtClean="0">
+                <a:solidFill>
+                  <a:srgbClr val="0070C0"/>
+                </a:solidFill>
+              </a:rPr>
+              <a:t>Harvindar</a:t>
+            </a:r>
+            <a:r>
+              <a:rPr lang="en-US" dirty="0" smtClean="0">
+                <a:solidFill>
+                  <a:srgbClr val="0070C0"/>
+                </a:solidFill>
+              </a:rPr>
+              <a:t> </a:t>
+            </a:r>
+            <a:r>
+              <a:rPr lang="en-US" dirty="0" err="1" smtClean="0">
+                <a:solidFill>
+                  <a:srgbClr val="0070C0"/>
+                </a:solidFill>
+              </a:rPr>
+              <a:t>Kaur</a:t>
+            </a:r>
             <a:endParaRPr lang="en-US" dirty="0"/>
           </a:p>
         </p:txBody>
@@ -4428,7 +4465,7 @@
           <p:nvPr/>
         </p:nvPicPr>
         <p:blipFill>
-          <a:blip r:embed="rId3"/>
+          <a:blip r:embed="rId3" cstate="print"/>
           <a:stretch>
             <a:fillRect/>
           </a:stretch>
@@ -4706,7 +4743,7 @@
           <p:nvPr/>
         </p:nvPicPr>
         <p:blipFill>
-          <a:blip r:embed="rId2"/>
+          <a:blip r:embed="rId2" cstate="print"/>
           <a:stretch>
             <a:fillRect/>
           </a:stretch>
@@ -4838,7 +4875,7 @@
           <p:nvPr/>
         </p:nvPicPr>
         <p:blipFill>
-          <a:blip r:embed="rId2"/>
+          <a:blip r:embed="rId2" cstate="print"/>
           <a:stretch>
             <a:fillRect/>
           </a:stretch>
@@ -5112,7 +5149,7 @@
                   <a:srgbClr val="FFFF00"/>
                 </a:solidFill>
               </a:rPr>
-              <a:t>2.</a:t>
+              <a:t>2. </a:t>
             </a:r>
             <a:r>
               <a:rPr lang="en-IN" u="sng" dirty="0" smtClean="0">
@@ -5120,7 +5157,7 @@
                   <a:srgbClr val="FFFF00"/>
                 </a:solidFill>
               </a:rPr>
-              <a:t> Login Pages:</a:t>
+              <a:t>Login Pages:</a:t>
             </a:r>
           </a:p>
           <a:p>
@@ -5266,7 +5303,7 @@
                   <a:srgbClr val="FFFF00"/>
                 </a:solidFill>
               </a:rPr>
-              <a:t>3.</a:t>
+              <a:t>3. </a:t>
             </a:r>
             <a:r>
               <a:rPr lang="en-IN" u="sng" dirty="0" smtClean="0">
@@ -5274,7 +5311,7 @@
                   <a:srgbClr val="FFFF00"/>
                 </a:solidFill>
               </a:rPr>
-              <a:t> Owner Dashboard:</a:t>
+              <a:t>Owner Dashboard:</a:t>
             </a:r>
           </a:p>
           <a:p>
@@ -5306,7 +5343,7 @@
           <p:nvPr/>
         </p:nvPicPr>
         <p:blipFill>
-          <a:blip r:embed="rId2"/>
+          <a:blip r:embed="rId2" cstate="print"/>
           <a:stretch>
             <a:fillRect/>
           </a:stretch>
@@ -5420,7 +5457,7 @@
                   <a:srgbClr val="FFFF00"/>
                 </a:solidFill>
               </a:rPr>
-              <a:t>4.</a:t>
+              <a:t>4. </a:t>
             </a:r>
             <a:r>
               <a:rPr lang="en-IN" u="sng" dirty="0" smtClean="0">
@@ -5428,7 +5465,7 @@
                   <a:srgbClr val="FFFF00"/>
                 </a:solidFill>
               </a:rPr>
-              <a:t> Tenant Dashboard:</a:t>
+              <a:t>Tenant Dashboard:</a:t>
             </a:r>
           </a:p>
           <a:p>
@@ -5460,7 +5497,7 @@
           <p:nvPr/>
         </p:nvPicPr>
         <p:blipFill>
-          <a:blip r:embed="rId2"/>
+          <a:blip r:embed="rId2" cstate="print"/>
           <a:stretch>
             <a:fillRect/>
           </a:stretch>
@@ -5574,7 +5611,7 @@
                   <a:srgbClr val="FFFF00"/>
                 </a:solidFill>
               </a:rPr>
-              <a:t>5. Transaction</a:t>
+              <a:t>5. </a:t>
             </a:r>
             <a:r>
               <a:rPr lang="en-IN" u="sng" dirty="0" smtClean="0">
@@ -5582,7 +5619,7 @@
                   <a:srgbClr val="FFFF00"/>
                 </a:solidFill>
               </a:rPr>
-              <a:t>:</a:t>
+              <a:t>Transaction:</a:t>
             </a:r>
           </a:p>
           <a:p>
@@ -5614,7 +5651,7 @@
           <p:nvPr/>
         </p:nvPicPr>
         <p:blipFill>
-          <a:blip r:embed="rId2"/>
+          <a:blip r:embed="rId2" cstate="print"/>
           <a:stretch>
             <a:fillRect/>
           </a:stretch>
@@ -5728,7 +5765,7 @@
                   <a:srgbClr val="FFFF00"/>
                 </a:solidFill>
               </a:rPr>
-              <a:t>6. Searching</a:t>
+              <a:t>6. </a:t>
             </a:r>
             <a:r>
               <a:rPr lang="en-IN" u="sng" dirty="0" smtClean="0">
@@ -5736,7 +5773,7 @@
                   <a:srgbClr val="FFFF00"/>
                 </a:solidFill>
               </a:rPr>
-              <a:t>:</a:t>
+              <a:t>Searching:</a:t>
             </a:r>
           </a:p>
           <a:p>
@@ -5768,7 +5805,7 @@
           <p:nvPr/>
         </p:nvPicPr>
         <p:blipFill>
-          <a:blip r:embed="rId2"/>
+          <a:blip r:embed="rId2" cstate="print"/>
           <a:stretch>
             <a:fillRect/>
           </a:stretch>
@@ -5893,7 +5930,15 @@
                   <a:srgbClr val="FFC000"/>
                 </a:solidFill>
               </a:rPr>
-              <a:t> database and the software-hardware interface. </a:t>
+              <a:t> </a:t>
+            </a:r>
+            <a:r>
+              <a:rPr lang="en-IN" sz="2400" dirty="0" smtClean="0">
+                <a:solidFill>
+                  <a:srgbClr val="FFC000"/>
+                </a:solidFill>
+              </a:rPr>
+              <a:t>database and the software-hardware interface. </a:t>
             </a:r>
           </a:p>
           <a:p>
@@ -5905,7 +5950,25 @@
                 </a:solidFill>
                 <a:cs typeface="Times New Roman" panose="02020603050405020304" pitchFamily="18" charset="0"/>
               </a:rPr>
-              <a:t>After the completion of project, customer can view all the houses of different size and styles. An individual can find houses at their desired location. An individual can book their desired house by net banking from their house at one click.</a:t>
+              <a:t>After the completion of project, customer can view all the houses of different </a:t>
+            </a:r>
+            <a:r>
+              <a:rPr lang="en-IN" sz="2400" dirty="0" smtClean="0">
+                <a:solidFill>
+                  <a:srgbClr val="FFC000"/>
+                </a:solidFill>
+                <a:cs typeface="Times New Roman" panose="02020603050405020304" pitchFamily="18" charset="0"/>
+              </a:rPr>
+              <a:t>sizes </a:t>
+            </a:r>
+            <a:r>
+              <a:rPr lang="en-IN" sz="2400" dirty="0" smtClean="0">
+                <a:solidFill>
+                  <a:srgbClr val="FFC000"/>
+                </a:solidFill>
+                <a:cs typeface="Times New Roman" panose="02020603050405020304" pitchFamily="18" charset="0"/>
+              </a:rPr>
+              <a:t>and styles. An individual can find houses at their desired location. An individual can book their desired house by net banking from their house at one click.</a:t>
             </a:r>
           </a:p>
         </p:txBody>
@@ -5961,14 +6024,14 @@
             <a:r>
               <a:rPr lang="en-US" u="sng" dirty="0" smtClean="0">
                 <a:solidFill>
-                  <a:srgbClr val="0066FF"/>
+                  <a:srgbClr val="00B0F0"/>
                 </a:solidFill>
               </a:rPr>
               <a:t>Introduction</a:t>
             </a:r>
             <a:endParaRPr lang="en-US" u="sng" dirty="0">
               <a:solidFill>
-                <a:srgbClr val="0066FF"/>
+                <a:srgbClr val="00B0F0"/>
               </a:solidFill>
             </a:endParaRPr>
           </a:p>
@@ -6333,14 +6396,14 @@
             <a:r>
               <a:rPr lang="en-US" u="sng" dirty="0" smtClean="0">
                 <a:solidFill>
-                  <a:srgbClr val="0066FF"/>
+                  <a:srgbClr val="00B0F0"/>
                 </a:solidFill>
               </a:rPr>
               <a:t>Objective</a:t>
             </a:r>
             <a:endParaRPr lang="en-US" u="sng" dirty="0">
               <a:solidFill>
-                <a:srgbClr val="0066FF"/>
+                <a:srgbClr val="00B0F0"/>
               </a:solidFill>
             </a:endParaRPr>
           </a:p>
@@ -6530,7 +6593,23 @@
                   <a:srgbClr val="FFC000"/>
                 </a:solidFill>
               </a:rPr>
-              <a:t>convenient:  </a:t>
+              <a:t>C</a:t>
+            </a:r>
+            <a:r>
+              <a:rPr lang="en-IN" sz="2400" b="1" dirty="0" smtClean="0">
+                <a:solidFill>
+                  <a:srgbClr val="FFC000"/>
+                </a:solidFill>
+              </a:rPr>
+              <a:t>onvenient</a:t>
+            </a:r>
+            <a:r>
+              <a:rPr lang="en-IN" sz="2400" b="1" dirty="0" smtClean="0">
+                <a:solidFill>
+                  <a:srgbClr val="FFC000"/>
+                </a:solidFill>
+              </a:rPr>
+              <a:t>:  </a:t>
             </a:r>
             <a:r>
               <a:rPr lang="en-IN" sz="2400" dirty="0" smtClean="0"/>
@@ -6627,14 +6706,14 @@
             <a:r>
               <a:rPr lang="en-US" u="sng" dirty="0" smtClean="0">
                 <a:solidFill>
-                  <a:srgbClr val="0066FF"/>
+                  <a:srgbClr val="00B0F0"/>
                 </a:solidFill>
               </a:rPr>
               <a:t>Modules</a:t>
             </a:r>
             <a:endParaRPr lang="en-US" u="sng" dirty="0">
               <a:solidFill>
-                <a:srgbClr val="0066FF"/>
+                <a:srgbClr val="00B0F0"/>
               </a:solidFill>
             </a:endParaRPr>
           </a:p>

--- a/presentation/mini-project-presentation.pptx
+++ b/presentation/mini-project-presentation.pptx
@@ -212,7 +212,7 @@
             <a:fld id="{779BF999-0E83-4429-9A60-189F80708AFE}" type="datetimeFigureOut">
               <a:rPr lang="en-US" smtClean="0"/>
               <a:pPr/>
-              <a:t>12/5/2020</a:t>
+              <a:t>12/8/2020</a:t>
             </a:fld>
             <a:endParaRPr lang="en-US" dirty="0"/>
           </a:p>
@@ -945,7 +945,7 @@
             <a:fld id="{8B627BAB-31E2-4CDB-AC61-FA9C761E18B4}" type="datetimeFigureOut">
               <a:rPr lang="en-US" smtClean="0"/>
               <a:pPr/>
-              <a:t>12/5/2020</a:t>
+              <a:t>12/8/2020</a:t>
             </a:fld>
             <a:endParaRPr lang="en-US" dirty="0"/>
           </a:p>
@@ -1112,7 +1112,7 @@
             <a:fld id="{8B627BAB-31E2-4CDB-AC61-FA9C761E18B4}" type="datetimeFigureOut">
               <a:rPr lang="en-US" smtClean="0"/>
               <a:pPr/>
-              <a:t>12/5/2020</a:t>
+              <a:t>12/8/2020</a:t>
             </a:fld>
             <a:endParaRPr lang="en-US" dirty="0"/>
           </a:p>
@@ -1289,7 +1289,7 @@
             <a:fld id="{8B627BAB-31E2-4CDB-AC61-FA9C761E18B4}" type="datetimeFigureOut">
               <a:rPr lang="en-US" smtClean="0"/>
               <a:pPr/>
-              <a:t>12/5/2020</a:t>
+              <a:t>12/8/2020</a:t>
             </a:fld>
             <a:endParaRPr lang="en-US" dirty="0"/>
           </a:p>
@@ -1460,7 +1460,7 @@
             <a:fld id="{8B627BAB-31E2-4CDB-AC61-FA9C761E18B4}" type="datetimeFigureOut">
               <a:rPr lang="en-US" smtClean="0"/>
               <a:pPr/>
-              <a:t>12/5/2020</a:t>
+              <a:t>12/8/2020</a:t>
             </a:fld>
             <a:endParaRPr lang="en-US" dirty="0"/>
           </a:p>
@@ -1917,7 +1917,7 @@
             <a:fld id="{8B627BAB-31E2-4CDB-AC61-FA9C761E18B4}" type="datetimeFigureOut">
               <a:rPr lang="en-US" smtClean="0"/>
               <a:pPr/>
-              <a:t>12/5/2020</a:t>
+              <a:t>12/8/2020</a:t>
             </a:fld>
             <a:endParaRPr lang="en-US" dirty="0"/>
           </a:p>
@@ -2183,7 +2183,7 @@
             <a:fld id="{8B627BAB-31E2-4CDB-AC61-FA9C761E18B4}" type="datetimeFigureOut">
               <a:rPr lang="en-US" smtClean="0"/>
               <a:pPr/>
-              <a:t>12/5/2020</a:t>
+              <a:t>12/8/2020</a:t>
             </a:fld>
             <a:endParaRPr lang="en-US" dirty="0"/>
           </a:p>
@@ -2559,7 +2559,7 @@
             <a:fld id="{8B627BAB-31E2-4CDB-AC61-FA9C761E18B4}" type="datetimeFigureOut">
               <a:rPr lang="en-US" smtClean="0"/>
               <a:pPr/>
-              <a:t>12/5/2020</a:t>
+              <a:t>12/8/2020</a:t>
             </a:fld>
             <a:endParaRPr lang="en-US" dirty="0"/>
           </a:p>
@@ -2683,7 +2683,7 @@
             <a:fld id="{8B627BAB-31E2-4CDB-AC61-FA9C761E18B4}" type="datetimeFigureOut">
               <a:rPr lang="en-US" smtClean="0"/>
               <a:pPr/>
-              <a:t>12/5/2020</a:t>
+              <a:t>12/8/2020</a:t>
             </a:fld>
             <a:endParaRPr lang="en-US" dirty="0"/>
           </a:p>
@@ -2775,7 +2775,7 @@
             <a:fld id="{8B627BAB-31E2-4CDB-AC61-FA9C761E18B4}" type="datetimeFigureOut">
               <a:rPr lang="en-US" smtClean="0"/>
               <a:pPr/>
-              <a:t>12/5/2020</a:t>
+              <a:t>12/8/2020</a:t>
             </a:fld>
             <a:endParaRPr lang="en-US" dirty="0"/>
           </a:p>
@@ -3026,7 +3026,7 @@
             <a:fld id="{8B627BAB-31E2-4CDB-AC61-FA9C761E18B4}" type="datetimeFigureOut">
               <a:rPr lang="en-US" smtClean="0"/>
               <a:pPr/>
-              <a:t>12/5/2020</a:t>
+              <a:t>12/8/2020</a:t>
             </a:fld>
             <a:endParaRPr lang="en-US" dirty="0"/>
           </a:p>
@@ -3287,7 +3287,7 @@
             <a:fld id="{8B627BAB-31E2-4CDB-AC61-FA9C761E18B4}" type="datetimeFigureOut">
               <a:rPr lang="en-US" smtClean="0"/>
               <a:pPr/>
-              <a:t>12/5/2020</a:t>
+              <a:t>12/8/2020</a:t>
             </a:fld>
             <a:endParaRPr lang="en-US" dirty="0"/>
           </a:p>
@@ -3693,7 +3693,7 @@
             <a:fld id="{8B627BAB-31E2-4CDB-AC61-FA9C761E18B4}" type="datetimeFigureOut">
               <a:rPr lang="en-US" smtClean="0"/>
               <a:pPr/>
-              <a:t>12/5/2020</a:t>
+              <a:t>12/8/2020</a:t>
             </a:fld>
             <a:endParaRPr lang="en-US" dirty="0"/>
           </a:p>
@@ -4250,7 +4250,18 @@
                   <a:srgbClr val="FFC000"/>
                 </a:solidFill>
               </a:rPr>
-              <a:t> Kumar</a:t>
+              <a:t> Kumar(181500084)</a:t>
+            </a:r>
+          </a:p>
+          <a:p>
+            <a:pPr algn="l"/>
+            <a:r>
+              <a:rPr lang="en-US" dirty="0" err="1" smtClean="0">
+                <a:solidFill>
+                  <a:srgbClr val="FFC000"/>
+                </a:solidFill>
+              </a:rPr>
+              <a:t>Bhagat</a:t>
             </a:r>
             <a:r>
               <a:rPr lang="en-US" dirty="0" smtClean="0">
@@ -4258,13 +4269,8 @@
                   <a:srgbClr val="FFC000"/>
                 </a:solidFill>
               </a:rPr>
-              <a:t>(181500084)</a:t>
-            </a:r>
-            <a:endParaRPr lang="en-US" dirty="0" smtClean="0">
-              <a:solidFill>
-                <a:srgbClr val="FFC000"/>
-              </a:solidFill>
-            </a:endParaRPr>
+              <a:t> Singh(181500189)</a:t>
+            </a:r>
           </a:p>
           <a:p>
             <a:pPr algn="l"/>
@@ -4274,7 +4280,7 @@
                   <a:srgbClr val="FFC000"/>
                 </a:solidFill>
               </a:rPr>
-              <a:t>Bhagat</a:t>
+              <a:t>Madan</a:t>
             </a:r>
             <a:r>
               <a:rPr lang="en-US" dirty="0" smtClean="0">
@@ -4282,31 +4288,26 @@
                   <a:srgbClr val="FFC000"/>
                 </a:solidFill>
               </a:rPr>
-              <a:t> Singh</a:t>
-            </a:r>
+              <a:t> Mohan(181500354)</a:t>
+            </a:r>
+          </a:p>
+          <a:p>
+            <a:pPr algn="l"/>
             <a:r>
               <a:rPr lang="en-US" dirty="0" smtClean="0">
                 <a:solidFill>
                   <a:srgbClr val="FFC000"/>
                 </a:solidFill>
               </a:rPr>
-              <a:t>(181500189)</a:t>
-            </a:r>
-            <a:endParaRPr lang="en-US" dirty="0" smtClean="0">
-              <a:solidFill>
-                <a:srgbClr val="FFC000"/>
-              </a:solidFill>
-            </a:endParaRPr>
-          </a:p>
-          <a:p>
-            <a:pPr algn="l"/>
+              <a:t>Mohan </a:t>
+            </a:r>
             <a:r>
               <a:rPr lang="en-US" dirty="0" err="1" smtClean="0">
                 <a:solidFill>
                   <a:srgbClr val="FFC000"/>
                 </a:solidFill>
               </a:rPr>
-              <a:t>Madan</a:t>
+              <a:t>Agrawal</a:t>
             </a:r>
             <a:r>
               <a:rPr lang="en-US" dirty="0" smtClean="0">
@@ -4314,63 +4315,15 @@
                   <a:srgbClr val="FFC000"/>
                 </a:solidFill>
               </a:rPr>
-              <a:t> Mohan</a:t>
+              <a:t>(181500385)</a:t>
             </a:r>
             <a:r>
               <a:rPr lang="en-US" dirty="0" smtClean="0">
                 <a:solidFill>
-                  <a:srgbClr val="FFC000"/>
-                </a:solidFill>
-              </a:rPr>
-              <a:t>(181500354)</a:t>
-            </a:r>
-            <a:endParaRPr lang="en-US" dirty="0" smtClean="0">
-              <a:solidFill>
-                <a:srgbClr val="FFC000"/>
-              </a:solidFill>
-            </a:endParaRPr>
-          </a:p>
-          <a:p>
-            <a:pPr algn="l"/>
-            <a:r>
-              <a:rPr lang="en-US" dirty="0" smtClean="0">
-                <a:solidFill>
-                  <a:srgbClr val="FFC000"/>
-                </a:solidFill>
-              </a:rPr>
-              <a:t>Mohan </a:t>
-            </a:r>
-            <a:r>
-              <a:rPr lang="en-US" dirty="0" err="1" smtClean="0">
-                <a:solidFill>
-                  <a:srgbClr val="FFC000"/>
-                </a:solidFill>
-              </a:rPr>
-              <a:t>Agrawal</a:t>
-            </a:r>
-            <a:r>
-              <a:rPr lang="en-US" dirty="0" smtClean="0">
-                <a:solidFill>
-                  <a:srgbClr val="FFC000"/>
-                </a:solidFill>
-              </a:rPr>
-              <a:t>(181500385)</a:t>
-            </a:r>
-            <a:r>
-              <a:rPr lang="en-US" dirty="0" smtClean="0">
-                <a:solidFill>
                   <a:srgbClr val="FF3300"/>
                 </a:solidFill>
               </a:rPr>
-              <a:t> </a:t>
-            </a:r>
-            <a:r>
-              <a:rPr lang="en-US" dirty="0" smtClean="0">
-                <a:solidFill>
-                  <a:srgbClr val="FF3300"/>
-                </a:solidFill>
-              </a:rPr>
-              <a:t>                                                   </a:t>
+              <a:t>                                                    </a:t>
             </a:r>
             <a:endParaRPr lang="en-US" dirty="0" smtClean="0">
               <a:solidFill>
@@ -5930,45 +5883,19 @@
                   <a:srgbClr val="FFC000"/>
                 </a:solidFill>
               </a:rPr>
-              <a:t> </a:t>
-            </a:r>
+              <a:t> database and the software-hardware interface. </a:t>
+            </a:r>
+          </a:p>
+          <a:p>
+            <a:pPr algn="just"/>
             <a:r>
               <a:rPr lang="en-IN" sz="2400" dirty="0" smtClean="0">
                 <a:solidFill>
                   <a:srgbClr val="FFC000"/>
                 </a:solidFill>
-              </a:rPr>
-              <a:t>database and the software-hardware interface. </a:t>
-            </a:r>
-          </a:p>
-          <a:p>
-            <a:pPr algn="just"/>
-            <a:r>
-              <a:rPr lang="en-IN" sz="2400" dirty="0" smtClean="0">
-                <a:solidFill>
-                  <a:srgbClr val="FFC000"/>
-                </a:solidFill>
                 <a:cs typeface="Times New Roman" panose="02020603050405020304" pitchFamily="18" charset="0"/>
               </a:rPr>
-              <a:t>After the completion of project, customer can view all the houses of different </a:t>
-            </a:r>
-            <a:r>
-              <a:rPr lang="en-IN" sz="2400" dirty="0" smtClean="0">
-                <a:solidFill>
-                  <a:srgbClr val="FFC000"/>
-                </a:solidFill>
-                <a:cs typeface="Times New Roman" panose="02020603050405020304" pitchFamily="18" charset="0"/>
-              </a:rPr>
-              <a:t>sizes </a:t>
-            </a:r>
-            <a:r>
-              <a:rPr lang="en-IN" sz="2400" dirty="0" smtClean="0">
-                <a:solidFill>
-                  <a:srgbClr val="FFC000"/>
-                </a:solidFill>
-                <a:cs typeface="Times New Roman" panose="02020603050405020304" pitchFamily="18" charset="0"/>
-              </a:rPr>
-              <a:t>and styles. An individual can find houses at their desired location. An individual can book their desired house by net banking from their house at one click.</a:t>
+              <a:t>After the completion of project, customer can view all the houses of different sizes and styles. An individual can find houses at their desired location. An individual can book their desired house by net banking from their house at one click.</a:t>
             </a:r>
           </a:p>
         </p:txBody>
@@ -6565,12 +6492,20 @@
               <a:buChar char="§"/>
             </a:pPr>
             <a:r>
+              <a:rPr lang="en-IN" sz="2400" b="1" u="sng" dirty="0" smtClean="0">
+                <a:solidFill>
+                  <a:srgbClr val="FFC000"/>
+                </a:solidFill>
+              </a:rPr>
+              <a:t>Time saving:</a:t>
+            </a:r>
+            <a:r>
               <a:rPr lang="en-IN" sz="2400" b="1" dirty="0" smtClean="0">
                 <a:solidFill>
                   <a:srgbClr val="FFC000"/>
                 </a:solidFill>
               </a:rPr>
-              <a:t>Time saving:  </a:t>
+              <a:t>  </a:t>
             </a:r>
           </a:p>
           <a:p>
@@ -6588,28 +6523,20 @@
               <a:buChar char="§"/>
             </a:pPr>
             <a:r>
+              <a:rPr lang="en-IN" sz="2400" b="1" u="sng" dirty="0" smtClean="0">
+                <a:solidFill>
+                  <a:srgbClr val="FFC000"/>
+                </a:solidFill>
+              </a:rPr>
+              <a:t>Convenient:</a:t>
+            </a:r>
+            <a:r>
               <a:rPr lang="en-IN" sz="2400" b="1" dirty="0" smtClean="0">
                 <a:solidFill>
                   <a:srgbClr val="FFC000"/>
                 </a:solidFill>
               </a:rPr>
-              <a:t>C</a:t>
-            </a:r>
-            <a:r>
-              <a:rPr lang="en-IN" sz="2400" b="1" dirty="0" smtClean="0">
-                <a:solidFill>
-                  <a:srgbClr val="FFC000"/>
-                </a:solidFill>
-              </a:rPr>
-              <a:t>onvenient</a:t>
-            </a:r>
-            <a:r>
-              <a:rPr lang="en-IN" sz="2400" b="1" dirty="0" smtClean="0">
-                <a:solidFill>
-                  <a:srgbClr val="FFC000"/>
-                </a:solidFill>
-              </a:rPr>
-              <a:t>:  </a:t>
+              <a:t>  </a:t>
             </a:r>
             <a:r>
               <a:rPr lang="en-IN" sz="2400" dirty="0" smtClean="0"/>
@@ -6629,12 +6556,20 @@
               <a:buChar char="§"/>
             </a:pPr>
             <a:r>
+              <a:rPr lang="en-IN" sz="2400" b="1" u="sng" dirty="0" smtClean="0">
+                <a:solidFill>
+                  <a:srgbClr val="FFC000"/>
+                </a:solidFill>
+              </a:rPr>
+              <a:t>Services:</a:t>
+            </a:r>
+            <a:r>
               <a:rPr lang="en-IN" sz="2400" b="1" dirty="0" smtClean="0">
                 <a:solidFill>
                   <a:srgbClr val="FFC000"/>
                 </a:solidFill>
               </a:rPr>
-              <a:t>Services: </a:t>
+              <a:t> </a:t>
             </a:r>
             <a:r>
               <a:rPr lang="en-IN" sz="2400" dirty="0" smtClean="0"/>
